--- a/Projeto_5/Projeto_5.1 PowerBI.pptx
+++ b/Projeto_5/Projeto_5.1 PowerBI.pptx
@@ -115,14 +115,6 @@
     </p:ext>
   </p:extLst>
 </p:presentation>
-</file>
-
-<file path=ppt/revisionInfo.xml><?xml version="1.0" encoding="utf-8"?>
-<p1510:revInfo xmlns:a="http://schemas.openxmlformats.org/drawingml/2006/main" xmlns:r="http://schemas.openxmlformats.org/officeDocument/2006/relationships" xmlns:p1510="http://schemas.microsoft.com/office/powerpoint/2015/10/main">
-  <p1510:revLst>
-    <p1510:client id="{87BC108F-2AB8-48DA-AB49-F9E86BDDFE2F}" v="6" dt="2018-08-08T09:06:44.784"/>
-  </p1510:revLst>
-</p1510:revInfo>
 </file>
 
 <file path=ppt/slideLayouts/slideLayout1.xml><?xml version="1.0" encoding="utf-8"?>
@@ -3873,10 +3865,10 @@
         <mc:Choice xmlns:we="http://schemas.microsoft.com/office/webextensions/webextension/2010/11" xmlns:pca="http://schemas.microsoft.com/office/powerpoint/2013/contentapp" Requires="we pca">
           <p:graphicFrame>
             <p:nvGraphicFramePr>
-              <p:cNvPr id="6" name="Suplemento 5">
+              <p:cNvPr id="7" name="Suplemento 6">
                 <a:extLst>
                   <a:ext uri="{FF2B5EF4-FFF2-40B4-BE49-F238E27FC236}">
-                    <a16:creationId xmlns:a16="http://schemas.microsoft.com/office/drawing/2014/main" id="{F46A9835-CAE0-A3C7-4EE6-B340E43A8365}"/>
+                    <a16:creationId xmlns:a16="http://schemas.microsoft.com/office/drawing/2014/main" id="{302CFAB3-38CE-7473-E3AE-28C41151437E}"/>
                   </a:ext>
                 </a:extLst>
               </p:cNvPr>
@@ -3886,14 +3878,14 @@
               <p:nvPr>
                 <p:extLst>
                   <p:ext uri="{D42A27DB-BD31-4B8C-83A1-F6EECF244321}">
-                    <p14:modId xmlns:p14="http://schemas.microsoft.com/office/powerpoint/2010/main" val="4006554755"/>
+                    <p14:modId xmlns:p14="http://schemas.microsoft.com/office/powerpoint/2010/main" val="877887051"/>
                   </p:ext>
                 </p:extLst>
               </p:nvPr>
             </p:nvGraphicFramePr>
             <p:xfrm>
-              <a:off x="914399" y="1213502"/>
-              <a:ext cx="10519873" cy="5293103"/>
+              <a:off x="914399" y="1281868"/>
+              <a:ext cx="10186587" cy="5383851"/>
             </p:xfrm>
             <a:graphic>
               <a:graphicData uri="http://schemas.microsoft.com/office/webextensions/webextension/2010/11">
@@ -3905,10 +3897,10 @@
         <mc:Fallback>
           <p:pic>
             <p:nvPicPr>
-              <p:cNvPr id="6" name="Suplemento 5">
+              <p:cNvPr id="7" name="Suplemento 6">
                 <a:extLst>
                   <a:ext uri="{FF2B5EF4-FFF2-40B4-BE49-F238E27FC236}">
-                    <a16:creationId xmlns:a16="http://schemas.microsoft.com/office/drawing/2014/main" id="{F46A9835-CAE0-A3C7-4EE6-B340E43A8365}"/>
+                    <a16:creationId xmlns:a16="http://schemas.microsoft.com/office/drawing/2014/main" id="{302CFAB3-38CE-7473-E3AE-28C41151437E}"/>
                   </a:ext>
                 </a:extLst>
               </p:cNvPr>
@@ -3925,8 +3917,8 @@
             </p:blipFill>
             <p:spPr>
               <a:xfrm>
-                <a:off x="914399" y="1213502"/>
-                <a:ext cx="10519873" cy="5293103"/>
+                <a:off x="914399" y="1281868"/>
+                <a:ext cx="10186587" cy="5383851"/>
               </a:xfrm>
               <a:prstGeom prst="rect">
                 <a:avLst/>
@@ -4309,13 +4301,13 @@
 </file>
 
 <file path=ppt/webextensions/webextension3.xml><?xml version="1.0" encoding="utf-8"?>
-<we:webextension xmlns:we="http://schemas.microsoft.com/office/webextensions/webextension/2010/11" id="{59538578-19BF-4540-874A-631F27CC0D2B}">
+<we:webextension xmlns:we="http://schemas.microsoft.com/office/webextensions/webextension/2010/11" id="{FF65ECAA-35DA-42E0-B5DF-B4022E068934}">
   <we:reference id="wa200003233" version="2.0.0.3" store="pt-BR" storeType="OMEX"/>
   <we:alternateReferences>
     <we:reference id="wa200003233" version="2.0.0.3" store="pt-BR" storeType="OMEX"/>
   </we:alternateReferences>
   <we:properties>
-    <we:property name="reportUrl" value="&quot;/groups/me/reports/36538938-44c6-42d2-bd6d-c3837bc630a1/128273ecbc7828b4bd20?bookmarkGuid=f510965b-570f-4822-82aa-46f3f25b9ecc&amp;bookmarkUsage=1&amp;ctid=e7b09dad-0417-46e4-84b0-d77f68a3e591&amp;fromEntryPoint=export&quot;"/>
+    <we:property name="reportUrl" value="&quot;/groups/me/reports/36538938-44c6-42d2-bd6d-c3837bc630a1/128273ecbc7828b4bd20?bookmarkGuid=b00fca5f-9627-4fff-a467-71ff559758c4&amp;bookmarkUsage=1&amp;ctid=e7b09dad-0417-46e4-84b0-d77f68a3e591&amp;fromEntryPoint=export&quot;"/>
     <we:property name="reportName" value="&quot;Projeto_5.1&quot;"/>
     <we:property name="reportState" value="&quot;CONNECTED&quot;"/>
     <we:property name="embedUrl" value="&quot;/reportEmbed?reportId=36538938-44c6-42d2-bd6d-c3837bc630a1&amp;config=eyJjbHVzdGVyVXJsIjoiaHR0cHM6Ly9XQUJJLUJSQVpJTC1TT1VUSC1CLVBSSU1BUlktcmVkaXJlY3QuYW5hbHlzaXMud2luZG93cy5uZXQiLCJlbWJlZEZlYXR1cmVzIjp7InVzYWdlTWV0cmljc1ZOZXh0Ijp0cnVlfX0%3D&amp;disableSensitivityBanner=true&quot;"/>
@@ -4323,14 +4315,14 @@
     <we:property name="pageDisplayName" value="&quot;Página 3&quot;"/>
     <we:property name="datasetId" value="&quot;280e55bc-3e4f-4e0c-9733-096b2d51ac91&quot;"/>
     <we:property name="backgroundColor" value="&quot;#FFFFFF&quot;"/>
-    <we:property name="bookmark" value="&quot;H4sIAAAAAAAAA+1Y3W/bNhD/Vww9GwUpihLVt9TtsAHFENRZXoY8nMiTw0KWNIpy4wX+33eUlG9vXt2gLYI8Rby7/Hjf+snXkbFdW8H2d1hj9Db6rTZWg2ncLI3mUT0KUwW5lnkuZQJSAxc8TkjbtN42dRe9vY48uBX6c9v1UAUkEv55MY+gqk5hFU4lVB3OoxZd19RQ2b9xNCaVdz3u5hFetVXjIEAuPXgMsBsypzO5wN8IuhG0txtcovaTNFZxJlAXOlOxKpLCxIzMutFg8GyvSYAerl80tQdb0zVBliYyK0SWslxnaAqZ82SwLW3lJ5Ni++GqdRQdxbxtQ3JOzAZqjSYaQnDYjR5fRyerlcMV+On44YFy0VT9eo982fRO4ycsB1Xtrd/SHaWt6Q4b0rWjVJ26hhI5aP6ore9my6Yyg+aXvp5yw8LxsvmycEjJNEEwv/V5QaJV46jS1RO3n8szejS99tFTPy5I0tl6VU09cFeOs9E9XfUdJRzN6MviEpwP/VZ8psKGMhBA4wy6d9uhEu+tu2mJeP7I7R9ehd3FTd/SP3y+15lTEcYQnj/rF7ugkoWWhdAsKXKuGCR5CmmA+s/82zUN7cOEB6xEG1nKNFNKS5WzAkyqDmJ1l9DuwcJMQ1IKBhnPjREKgb2O2o8ctXfgXufs+DkTLDUiT9NEIQcT8yTl+ifv59kSKuyeq5d/tejA6cvtR9xg9dS7W/1T1Y1P5+Ds+P4fIjkywonI3IJFD4J+H5hFMLvnz/T8V29hZnBmwMMINYUSnTlLlMY73DNh88PVfMmpOambY9ZOazeNP4Oiwsf7Zu8If2q+dMPgvORU3u8y2mXjmL/8sMcOmtiKShOdaSIZXMaKaRYn+iDD8Hjli+ZqD8fgItexVCpHQdwnTxg7jPYvfCUWXCY5MEwxFgJp28v4aB5FBEqVGTOacaZ4pow0B98V34NHLHG1xnofj/gfW+4nfWe9buWvIINf/bnFH9PAl5/V78sz70Zy3JCGc+RZIaUw9CFGJFMwfuxOM2nODUszljJpGJOxZvJYLGFKKVnGRIGM5SIxTOTHb25t0kIziGnXKsxMwoB9AxqHvJAAJWYA9MEpUbLkuN09wN1JojW61dCgTe+7FjSeQo1D/duxhBYHO9o8UBs007MLfz9aWvbjxedQ9eHO4UeyaLgmVHv3Dx4L0ZKdEwAA&quot;"/>
-    <we:property name="initialStateBookmark" value="&quot;H4sIAAAAAAAAA+1YWW/bOBD+K4aejYIURR19c9wsWvQK4mxeFsFiRI4dFrKkUpQbN/B/71BSbm/deoO2CPIkcWY094w+6TLQpqkLWH+AJQYvgzelNgp0ZUdxMA7Knnjw8ePb95Pjt/9+mLw/JHJVO1OVTfDyMnBgF+hOTdNC4VUQ8Z+zcQBFcQQLf5pD0eA4qNE2VQmF+Yq9MLGcbXEzDvCiLioLXuXMgUOvdkXidCbb/IUgi6CcWeEMlRuoYRomAlWukjRM8yjXISOxphfoPNsq4lV35qdV6cCUZMbT4kgmuUhilqkEdS4zHnWyc1O4QSRfH17UlqKjmNe1z8pEr6BUqIMuBItN7/FlMFksLC7ADcfDO8xpVbTLLfRZ1VqFxzjvWKUzbk025qYkG8ana0OpOrIVJbLj/F0a14xmVaE7zl9tOeSG+eN59WVqkZKpPWF87fOUSIvKUomLB24/lmd0q1vlgod+nBGlMeWiGHrgphwnvXuqaBtKOOrel+k5WOf7Lf9EhfVlIAWV1WgP1l0lXhl71RLh+J7bv70Km7OrvqUHPt3qzKEIfQiPn/WzjWfJXMlcKBblGU8ZRFkMsVf13fybJQ3t3YR7XZHSci7jJE2VTDOWg47Tnbqac6i36MJEQTQXDBKeaS1SBPY8ar9z1A7APs/Z/nMmWKxFFsdRihx0yKOYqz+8n0czKLB5rF5+bdCCVefrd7jC4qF31/yHrCufTsGa/v3fRbJnhAOCuVYW3An6lUcWXuyWP8P959bASONIg4Ne1RBKcGINQRpnccuEjXdX8ymnZlJW+6yd2qwqdwJ5gff3zdYRPq6+NN3gPOVU3u4y2mX9mD/9sPsOGtBKGkcqUQQyuAxTplgYqZ0Iw+GFy6uLLRiDi0yFMk0zFIR9soix3dr+A6+EgssoA4YxhkIgbXsZ7o2jCECl84RpxThLeZJqqXe+K34FjpjhYonlNhzxA1vuD31nPW/lnwCDP/25xe/DwKef1V+LM29Gst+QmnPkSS6l0PQhRiBTML7vTtNxxjWLExYzqRmToWJyX11Cz6VkCRM5MpaJSDOR7b+5lY5zxSCkXZtioiMG7H9o45DlEmCOCQB9cEqULNpvd3fqbijBEu2ia9CqdU0NCo+gxK7+dV9Cg50cbR4oNerh3vrrO0PLvjd8CkXrbXY/yYLOCPliPDr6/gP+11nQueW7Y/MNC4azvcYTAAA=&quot;"/>
+    <we:property name="bookmark" value="&quot;H4sIAAAAAAAAA+1YS2/bOBD+K4bORkGKokT1lrgtdoFiEdTZXIochuTYYVeWtBTlxhv4vy9JKc2jbt266QNGT5Zmxh9nhjPDj7pJtOnaCjZ/wQqT58mftTYKdGMneTJN6kG4EITRTGQCsrLAHEWRc69tWmeaukue3yQO7BLdhel6qAKSF769nCZQVWewDG8LqDqcJi3arqmhMv/hYOxVzva4nSZ43VaNhQA5d+AwwK69uX/3LtBnzK8Iypk1zlG5UZqKtGCopCpEKmQmdUq8WTcYRM92mgTouPysqR2Y2i8TZHnGC8mKnJSqQC15SbNouzCVG03k5uV1a310PuZNG5JzotdQK9RJDMFiN3h8k5wslxaX4MbXlw+Us6bqVzvk86a3Ct/gIqpqZ9wmbICp/RompGvrU3VmG5/IqPm7Nq6bzJtKR82rvh5zQ8LrVfN+ZtEnUwfBdL/PT+XWaa/+QTeIHzpx6SWdqZfVWAB3e3E++KaqvvPZRj34MrsC60KxyXd+V8MeeIDGarSnm7gNL4y9rYd0+sjtn74F28vbovV/eHevLGc+H8vGDiE8fdYvt0HFpeKSKZLJkgrimzeHPEB9Nv9m5Tv2YcIDVqY0X/C8EEJxURIJOhd7sboraHdgYaEgWzACBS21ZgKBHGefjbvsJ2r13VrNP+peuW9qtVOwv/vskJQPfcZIrlmZ55lACjqlWU7VL17PkzlU2D1VLf9h0IJVV5vXuMbqY+8+6D9W3fp0AdYMh3+M5MAIRxbzASx5EPSLQCuC2T1/xud/ewMTjRMNDgaoMZTk3BrPZ5zFHR32BSfqMafmpG4OGTutWTfuHGSFj+fNzhZ+07zvYuMccyrvV5mfZUObH3/YQwWNbEXkmSqUJxmUp4IokmZqL8NweO1kc72DY1BWqpQLUSLz3KfMCNmP9gm+kjLKsxKIv/qkjKGf9jw9mEd5AiUWBdGKUCJoITTXe8+KH8Ej5rhcYb2LR3zBlPtFz6zfU/kryOBXX7foYxp4/Fn9sTzzriWHCakpRVpIzpn2FzFPMhmhh840nZdUk7wgOeGaEJ4qwg/FYnrBOSkIk0hIyTJNWHn45FY6l4pA6metwEJnBMg3oFGqNeGlzJiMB4ykcn+cEDf2tHcu1s5jSCglB1hgAeDvsBw5yQ47DiLcnSRZoV3Gmm9617Wg8AxqjCXVDlVhMNr5YQa1Rj0+2/D72vjzY1j4Aqo+frcLH92SuEwooO3/NIdM3e0TAAA=&quot;"/>
+    <we:property name="initialStateBookmark" value="&quot;H4sIAAAAAAAAA+1Y247bNhD9FUPPRkCKoi55s50tWuS2WG/3pVgUQ3LsZSpLKkU56y787yUpbfYSJ06cbRoYebI4HJ+5cGZ4pJtI6bYpYfMGVhg9j36rlJagajNKo3FU9cLp27cvX0/OXv75ZvL6xInrxuq6aqPnN5EFs0R7odsOSg/hhH9cjiMoy1NY+tUCyhbHUYOmrSso9T/YK7stazrcjiO8bsragIecW7DoYddO3a2dbfqMOYsgrV7jHKUdpHEeZwylkFke5yIRKiZOre0Vgmc7VTx0MD+rKwu6cma8LE14JliWkkJmqAQvaBJ0F7q0g4rYnFw3xkXnYt40PisTtYZKoopCCAbb3uObaLJcGlyCHZYnDzZnddmtdsjndWcknuEibFVW242zsdCVs6F9urYuVaemdokMO79X2rajeV2qsPNLVw25IX55Vb+fGXTJVF4w3u/zU7k17eRfaHvxQycunaTV1bIcCuDuLM5732TZtS7bqHpfZldgrC828c6dqj8DB1AbhWa6CcfwQpvbeojHj9z+349ge3lbtO4P7+6V5czlY1mbPoSnz/rl1m9xIblgkiSioDmBpEgh9VCfzb9euY59mHCPlUjFFzzN8lzyvCACVJrvxWqvoNmBhZmEZMEIZLRQiuUI5Dj7bDhlN0rL/6zV3KPqpP2mVpuC+dlnh6S87zNGUsWKNE1ypKBimqRU/uD1PJpDie1T1fKvGg0YebV5hWssP/buw/7HW7c+XYDR/eUfIjkwwoG+fACLHgT9wtMKr3bPn+H5707DSOFIgYUeagglOjfa8RlrcEeHfcGNesypmVT1IWOn0evanoMo8fG82dnCZ/X7NjTOMafyfpW5Wda3+fGH3VfQwFbyNJGZdCSD8jgnksSJ3MswLF5bUV/v4BiUFTLmeV4gc9ynSAjZj/YJvhIzypMCCKYYM4Zu2vP4YB7lCFS+yIiShJKcZrniau9d8T14xByXK6x28YgvmHI/6J31cyp/BRn86tct+pgGHn9Wvy/PvGvJfkIqSpFmgnOm3IuYI5mM0ENnmkoLqkiakZRwRQiPJeGHYjG14JxkhAkkpGCJIqw4fHJLlQpJIHazNsdMJQTIN6BRqhThhUiYCBeMoGJ/nBAOdtpZG2rnMSQUggMsMANw77AcOUkOuw4C3J0kWqFZhpqvO9s2IPEUKgwl1fRVoTHouWEGlUI1PBv/+0q7+6M3fAFl522Gj25RMOJ80Z5wff4P/lNcFNzyBbf9FxkdCSMWFAAA&quot;"/>
     <we:property name="isFiltersActionButtonVisible" value="true"/>
     <we:property name="isVisualContainerHeaderHidden" value="false"/>
-    <we:property name="reportEmbeddedTime" value="&quot;2024-12-17T14:30:50.806Z&quot;"/>
+    <we:property name="reportEmbeddedTime" value="&quot;2024-12-17T17:28:59.443Z&quot;"/>
     <we:property name="creatorTenantId" value="&quot;e7b09dad-0417-46e4-84b0-d77f68a3e591&quot;"/>
     <we:property name="creatorUserId" value="&quot;100320040E42D5D1&quot;"/>
-    <we:property name="creatorSessionId" value="&quot;640db607-1052-44d8-a2a7-d9b5cc1c2089&quot;"/>
+    <we:property name="creatorSessionId" value="&quot;f61b2425-95a7-44b5-ba6a-9c37eb769158&quot;"/>
     <we:property name="artifactViewState" value="&quot;live&quot;"/>
   </we:properties>
   <we:bindings/>
